--- a/Deliverable 1/Predicting Professional Athlete Career Lifetimes with Machine Learning.pptx
+++ b/Deliverable 1/Predicting Professional Athlete Career Lifetimes with Machine Learning.pptx
@@ -11,7 +11,8 @@
     <p:sldId id="260" r:id="rId5"/>
     <p:sldId id="259" r:id="rId6"/>
     <p:sldId id="261" r:id="rId7"/>
-    <p:sldId id="262" r:id="rId8"/>
+    <p:sldId id="263" r:id="rId8"/>
+    <p:sldId id="262" r:id="rId9"/>
   </p:sldIdLst>
   <p:sldSz cx="12192000" cy="6858000"/>
   <p:notesSz cx="6858000" cy="9144000"/>
@@ -110,6 +111,11 @@
       </a:defRPr>
     </a:lvl9pPr>
   </p:defaultTextStyle>
+  <p:extLst>
+    <p:ext uri="{EFAFB233-063F-42B5-8137-9DF3F51BA10A}">
+      <p15:sldGuideLst xmlns:p15="http://schemas.microsoft.com/office/powerpoint/2012/main"/>
+    </p:ext>
+  </p:extLst>
 </p:presentation>
 </file>
 
@@ -268,7 +274,7 @@
           <a:p>
             <a:fld id="{C10158FE-C1F5-4EA0-ADD8-A8D10A4F36FD}" type="datetimeFigureOut">
               <a:rPr lang="en-US" smtClean="0"/>
-              <a:t>7/4/2021</a:t>
+              <a:t>7/5/2021</a:t>
             </a:fld>
             <a:endParaRPr lang="en-US"/>
           </a:p>
@@ -466,7 +472,7 @@
           <a:p>
             <a:fld id="{C10158FE-C1F5-4EA0-ADD8-A8D10A4F36FD}" type="datetimeFigureOut">
               <a:rPr lang="en-US" smtClean="0"/>
-              <a:t>7/4/2021</a:t>
+              <a:t>7/5/2021</a:t>
             </a:fld>
             <a:endParaRPr lang="en-US"/>
           </a:p>
@@ -674,7 +680,7 @@
           <a:p>
             <a:fld id="{C10158FE-C1F5-4EA0-ADD8-A8D10A4F36FD}" type="datetimeFigureOut">
               <a:rPr lang="en-US" smtClean="0"/>
-              <a:t>7/4/2021</a:t>
+              <a:t>7/5/2021</a:t>
             </a:fld>
             <a:endParaRPr lang="en-US"/>
           </a:p>
@@ -910,7 +916,7 @@
           <a:p>
             <a:fld id="{C10158FE-C1F5-4EA0-ADD8-A8D10A4F36FD}" type="datetimeFigureOut">
               <a:rPr lang="en-US" smtClean="0"/>
-              <a:t>7/4/2021</a:t>
+              <a:t>7/5/2021</a:t>
             </a:fld>
             <a:endParaRPr lang="en-US"/>
           </a:p>
@@ -1185,7 +1191,7 @@
           <a:p>
             <a:fld id="{C10158FE-C1F5-4EA0-ADD8-A8D10A4F36FD}" type="datetimeFigureOut">
               <a:rPr lang="en-US" smtClean="0"/>
-              <a:t>7/4/2021</a:t>
+              <a:t>7/5/2021</a:t>
             </a:fld>
             <a:endParaRPr lang="en-US"/>
           </a:p>
@@ -1450,7 +1456,7 @@
           <a:p>
             <a:fld id="{C10158FE-C1F5-4EA0-ADD8-A8D10A4F36FD}" type="datetimeFigureOut">
               <a:rPr lang="en-US" smtClean="0"/>
-              <a:t>7/4/2021</a:t>
+              <a:t>7/5/2021</a:t>
             </a:fld>
             <a:endParaRPr lang="en-US"/>
           </a:p>
@@ -1862,7 +1868,7 @@
           <a:p>
             <a:fld id="{C10158FE-C1F5-4EA0-ADD8-A8D10A4F36FD}" type="datetimeFigureOut">
               <a:rPr lang="en-US" smtClean="0"/>
-              <a:t>7/4/2021</a:t>
+              <a:t>7/5/2021</a:t>
             </a:fld>
             <a:endParaRPr lang="en-US"/>
           </a:p>
@@ -2003,7 +2009,7 @@
           <a:p>
             <a:fld id="{C10158FE-C1F5-4EA0-ADD8-A8D10A4F36FD}" type="datetimeFigureOut">
               <a:rPr lang="en-US" smtClean="0"/>
-              <a:t>7/4/2021</a:t>
+              <a:t>7/5/2021</a:t>
             </a:fld>
             <a:endParaRPr lang="en-US"/>
           </a:p>
@@ -2116,7 +2122,7 @@
           <a:p>
             <a:fld id="{C10158FE-C1F5-4EA0-ADD8-A8D10A4F36FD}" type="datetimeFigureOut">
               <a:rPr lang="en-US" smtClean="0"/>
-              <a:t>7/4/2021</a:t>
+              <a:t>7/5/2021</a:t>
             </a:fld>
             <a:endParaRPr lang="en-US"/>
           </a:p>
@@ -2427,7 +2433,7 @@
           <a:p>
             <a:fld id="{C10158FE-C1F5-4EA0-ADD8-A8D10A4F36FD}" type="datetimeFigureOut">
               <a:rPr lang="en-US" smtClean="0"/>
-              <a:t>7/4/2021</a:t>
+              <a:t>7/5/2021</a:t>
             </a:fld>
             <a:endParaRPr lang="en-US"/>
           </a:p>
@@ -2715,7 +2721,7 @@
           <a:p>
             <a:fld id="{C10158FE-C1F5-4EA0-ADD8-A8D10A4F36FD}" type="datetimeFigureOut">
               <a:rPr lang="en-US" smtClean="0"/>
-              <a:t>7/4/2021</a:t>
+              <a:t>7/5/2021</a:t>
             </a:fld>
             <a:endParaRPr lang="en-US"/>
           </a:p>
@@ -2956,7 +2962,7 @@
           <a:p>
             <a:fld id="{C10158FE-C1F5-4EA0-ADD8-A8D10A4F36FD}" type="datetimeFigureOut">
               <a:rPr lang="en-US" smtClean="0"/>
-              <a:t>7/4/2021</a:t>
+              <a:t>7/5/2021</a:t>
             </a:fld>
             <a:endParaRPr lang="en-US"/>
           </a:p>
@@ -4110,6 +4116,124 @@
           <p:cNvPr id="2" name="Title 1">
             <a:extLst>
               <a:ext uri="{FF2B5EF4-FFF2-40B4-BE49-F238E27FC236}">
+                <a16:creationId xmlns:a16="http://schemas.microsoft.com/office/drawing/2014/main" id="{1EE01700-1197-4FCA-8754-6EB2FF19E37A}"/>
+              </a:ext>
+            </a:extLst>
+          </p:cNvPr>
+          <p:cNvSpPr>
+            <a:spLocks noGrp="1"/>
+          </p:cNvSpPr>
+          <p:nvPr>
+            <p:ph type="title"/>
+          </p:nvPr>
+        </p:nvSpPr>
+        <p:spPr/>
+        <p:txBody>
+          <a:bodyPr/>
+          <a:lstStyle/>
+          <a:p>
+            <a:r>
+              <a:rPr lang="en-US" dirty="0"/>
+              <a:t>Provisional Database</a:t>
+            </a:r>
+          </a:p>
+        </p:txBody>
+      </p:sp>
+      <p:sp>
+        <p:nvSpPr>
+          <p:cNvPr id="4" name="Content Placeholder 3">
+            <a:extLst>
+              <a:ext uri="{FF2B5EF4-FFF2-40B4-BE49-F238E27FC236}">
+                <a16:creationId xmlns:a16="http://schemas.microsoft.com/office/drawing/2014/main" id="{8B1CE3B4-E855-47F7-A517-D4C35C47D4BD}"/>
+              </a:ext>
+            </a:extLst>
+          </p:cNvPr>
+          <p:cNvSpPr>
+            <a:spLocks noGrp="1"/>
+          </p:cNvSpPr>
+          <p:nvPr>
+            <p:ph idx="1"/>
+          </p:nvPr>
+        </p:nvSpPr>
+        <p:spPr/>
+        <p:txBody>
+          <a:bodyPr/>
+          <a:lstStyle/>
+          <a:p>
+            <a:pPr marL="0" indent="0">
+              <a:buNone/>
+            </a:pPr>
+            <a:r>
+              <a:rPr lang="en-US" dirty="0"/>
+              <a:t>Please see the ‘Deliverable 1’ repository for our provisional database. The file is named ‘layout alpha.csv’ and includes aggregate data from all 4 of our raw datasets combined with the following headings:</a:t>
+            </a:r>
+          </a:p>
+        </p:txBody>
+      </p:sp>
+      <p:pic>
+        <p:nvPicPr>
+          <p:cNvPr id="6" name="Picture 5">
+            <a:extLst>
+              <a:ext uri="{FF2B5EF4-FFF2-40B4-BE49-F238E27FC236}">
+                <a16:creationId xmlns:a16="http://schemas.microsoft.com/office/drawing/2014/main" id="{9B8CB7C1-AE85-4C97-8C35-34BA56AB47C9}"/>
+              </a:ext>
+            </a:extLst>
+          </p:cNvPr>
+          <p:cNvPicPr>
+            <a:picLocks noChangeAspect="1"/>
+          </p:cNvPicPr>
+          <p:nvPr/>
+        </p:nvPicPr>
+        <p:blipFill rotWithShape="1">
+          <a:blip r:embed="rId2"/>
+          <a:srcRect l="2858" t="48095" r="3303" b="15873"/>
+          <a:stretch/>
+        </p:blipFill>
+        <p:spPr>
+          <a:xfrm>
+            <a:off x="375556" y="3840841"/>
+            <a:ext cx="11440887" cy="2471059"/>
+          </a:xfrm>
+          <a:prstGeom prst="rect">
+            <a:avLst/>
+          </a:prstGeom>
+        </p:spPr>
+      </p:pic>
+    </p:spTree>
+    <p:extLst>
+      <p:ext uri="{BB962C8B-B14F-4D97-AF65-F5344CB8AC3E}">
+        <p14:creationId xmlns:p14="http://schemas.microsoft.com/office/powerpoint/2010/main" val="3794980594"/>
+      </p:ext>
+    </p:extLst>
+  </p:cSld>
+  <p:clrMapOvr>
+    <a:masterClrMapping/>
+  </p:clrMapOvr>
+</p:sld>
+</file>
+
+<file path=ppt/slides/slide8.xml><?xml version="1.0" encoding="utf-8"?>
+<p:sld xmlns:a="http://schemas.openxmlformats.org/drawingml/2006/main" xmlns:r="http://schemas.openxmlformats.org/officeDocument/2006/relationships" xmlns:p="http://schemas.openxmlformats.org/presentationml/2006/main">
+  <p:cSld>
+    <p:spTree>
+      <p:nvGrpSpPr>
+        <p:cNvPr id="1" name=""/>
+        <p:cNvGrpSpPr/>
+        <p:nvPr/>
+      </p:nvGrpSpPr>
+      <p:grpSpPr>
+        <a:xfrm>
+          <a:off x="0" y="0"/>
+          <a:ext cx="0" cy="0"/>
+          <a:chOff x="0" y="0"/>
+          <a:chExt cx="0" cy="0"/>
+        </a:xfrm>
+      </p:grpSpPr>
+      <p:sp>
+        <p:nvSpPr>
+          <p:cNvPr id="2" name="Title 1">
+            <a:extLst>
+              <a:ext uri="{FF2B5EF4-FFF2-40B4-BE49-F238E27FC236}">
                 <a16:creationId xmlns:a16="http://schemas.microsoft.com/office/drawing/2014/main" id="{2C7CE92A-C9D7-4839-9393-85364876FA31}"/>
               </a:ext>
             </a:extLst>
